--- a/documents/slide_báo_cáo.pptx
+++ b/documents/slide_báo_cáo.pptx
@@ -22,10 +22,9 @@
     <p:sldId id="270" r:id="rId15"/>
     <p:sldId id="271" r:id="rId16"/>
     <p:sldId id="272" r:id="rId17"/>
-    <p:sldId id="273" r:id="rId18"/>
-    <p:sldId id="274" r:id="rId19"/>
-    <p:sldId id="275" r:id="rId20"/>
-    <p:sldId id="276" r:id="rId21"/>
+    <p:sldId id="274" r:id="rId18"/>
+    <p:sldId id="275" r:id="rId19"/>
+    <p:sldId id="276" r:id="rId20"/>
   </p:sldIdLst>
   <p:sldSz cx="9144000" cy="5143500"/>
   <p:notesSz cx="6858000" cy="9144000"/>
@@ -1295,105 +1294,6 @@
   <p:cSld>
     <p:spTree>
       <p:nvGrpSpPr>
-        <p:cNvPr id="140" name="Shape 140"/>
-        <p:cNvGrpSpPr/>
-        <p:nvPr/>
-      </p:nvGrpSpPr>
-      <p:grpSpPr>
-        <a:xfrm>
-          <a:off x="0" y="0"/>
-          <a:ext cx="0" cy="0"/>
-          <a:chOff x="0" y="0"/>
-          <a:chExt cx="0" cy="0"/>
-        </a:xfrm>
-      </p:grpSpPr>
-      <p:sp>
-        <p:nvSpPr>
-          <p:cNvPr id="141" name="Google Shape;141;g1255dadce64_0_114:notes"/>
-          <p:cNvSpPr/>
-          <p:nvPr>
-            <p:ph type="sldImg" idx="2"/>
-          </p:nvPr>
-        </p:nvSpPr>
-        <p:spPr>
-          <a:xfrm>
-            <a:off x="381300" y="685800"/>
-            <a:ext cx="6096000" cy="3429000"/>
-          </a:xfrm>
-          <a:custGeom>
-            <a:avLst/>
-            <a:gdLst/>
-            <a:ahLst/>
-            <a:cxnLst/>
-            <a:rect l="l" t="t" r="r" b="b"/>
-            <a:pathLst>
-              <a:path w="120000" h="120000" extrusionOk="0">
-                <a:moveTo>
-                  <a:pt x="0" y="0"/>
-                </a:moveTo>
-                <a:lnTo>
-                  <a:pt x="120000" y="0"/>
-                </a:lnTo>
-                <a:lnTo>
-                  <a:pt x="120000" y="120000"/>
-                </a:lnTo>
-                <a:lnTo>
-                  <a:pt x="0" y="120000"/>
-                </a:lnTo>
-                <a:close/>
-              </a:path>
-            </a:pathLst>
-          </a:custGeom>
-        </p:spPr>
-      </p:sp>
-      <p:sp>
-        <p:nvSpPr>
-          <p:cNvPr id="142" name="Google Shape;142;g1255dadce64_0_114:notes"/>
-          <p:cNvSpPr txBox="1"/>
-          <p:nvPr>
-            <p:ph type="body" idx="1"/>
-          </p:nvPr>
-        </p:nvSpPr>
-        <p:spPr>
-          <a:xfrm>
-            <a:off x="685800" y="4343400"/>
-            <a:ext cx="5486400" cy="4114800"/>
-          </a:xfrm>
-          <a:prstGeom prst="rect">
-            <a:avLst/>
-          </a:prstGeom>
-        </p:spPr>
-        <p:txBody>
-          <a:bodyPr spcFirstLastPara="1" wrap="square" lIns="91425" tIns="91425" rIns="91425" bIns="91425" anchor="t" anchorCtr="0">
-            <a:noAutofit/>
-          </a:bodyPr>
-          <a:lstStyle/>
-          <a:p>
-            <a:pPr marL="0" lvl="0" indent="0" algn="l" rtl="0">
-              <a:spcBef>
-                <a:spcPts val="0"/>
-              </a:spcBef>
-              <a:spcAft>
-                <a:spcPts val="0"/>
-              </a:spcAft>
-              <a:buNone/>
-            </a:pPr>
-          </a:p>
-        </p:txBody>
-      </p:sp>
-    </p:spTree>
-  </p:cSld>
-  <p:clrMapOvr>
-    <a:masterClrMapping/>
-  </p:clrMapOvr>
-</p:notes>
-</file>
-
-<file path=ppt/notesSlides/notesSlide16.xml><?xml version="1.0" encoding="utf-8"?>
-<p:notes xmlns:a="http://schemas.openxmlformats.org/drawingml/2006/main" xmlns:r="http://schemas.openxmlformats.org/officeDocument/2006/relationships" xmlns:p="http://schemas.openxmlformats.org/presentationml/2006/main" showMasterPhAnim="0" showMasterSp="0">
-  <p:cSld>
-    <p:spTree>
-      <p:nvGrpSpPr>
         <p:cNvPr id="145" name="Shape 145"/>
         <p:cNvGrpSpPr/>
         <p:nvPr/>
@@ -1488,7 +1388,7 @@
 </p:notes>
 </file>
 
-<file path=ppt/notesSlides/notesSlide17.xml><?xml version="1.0" encoding="utf-8"?>
+<file path=ppt/notesSlides/notesSlide16.xml><?xml version="1.0" encoding="utf-8"?>
 <p:notes xmlns:a="http://schemas.openxmlformats.org/drawingml/2006/main" xmlns:r="http://schemas.openxmlformats.org/officeDocument/2006/relationships" xmlns:p="http://schemas.openxmlformats.org/presentationml/2006/main" showMasterPhAnim="0" showMasterSp="0">
   <p:cSld>
     <p:spTree>
@@ -1587,7 +1487,7 @@
 </p:notes>
 </file>
 
-<file path=ppt/notesSlides/notesSlide18.xml><?xml version="1.0" encoding="utf-8"?>
+<file path=ppt/notesSlides/notesSlide17.xml><?xml version="1.0" encoding="utf-8"?>
 <p:notes xmlns:a="http://schemas.openxmlformats.org/drawingml/2006/main" xmlns:r="http://schemas.openxmlformats.org/officeDocument/2006/relationships" xmlns:p="http://schemas.openxmlformats.org/presentationml/2006/main" showMasterPhAnim="0" showMasterSp="0">
   <p:cSld>
     <p:spTree>
@@ -8155,76 +8055,6 @@
                 <a:cs typeface="Times New Roman" panose="02020603050405020304"/>
                 <a:sym typeface="Times New Roman" panose="02020603050405020304"/>
               </a:rPr>
-              <a:t>SPA (single page application) hiện nay được coi là một xu thế để xây dựng một trang web bởi nhiều tính năng ưu việt, có rất nhiều thư viện cho phép xây dựng một trang SPA phổ biến nhất đó là ReactJS. Khi một trang web được xây dựng theo hướng SPA thì tất cả các UI của trang web sẽ được render ra một trang duy nhất, tùy vào từng trường hợp mà component sẽ được render.</a:t>
-            </a:r>
-            <a:endParaRPr sz="2100">
-              <a:solidFill>
-                <a:schemeClr val="dk1"/>
-              </a:solidFill>
-              <a:latin typeface="Times New Roman" panose="02020603050405020304"/>
-              <a:ea typeface="Times New Roman" panose="02020603050405020304"/>
-              <a:cs typeface="Times New Roman" panose="02020603050405020304"/>
-              <a:sym typeface="Times New Roman" panose="02020603050405020304"/>
-            </a:endParaRPr>
-          </a:p>
-          <a:p>
-            <a:pPr marL="457200" lvl="0" indent="457200" algn="just" rtl="0">
-              <a:lnSpc>
-                <a:spcPct val="90000"/>
-              </a:lnSpc>
-              <a:spcBef>
-                <a:spcPts val="0"/>
-              </a:spcBef>
-              <a:spcAft>
-                <a:spcPts val="0"/>
-              </a:spcAft>
-              <a:buNone/>
-            </a:pPr>
-            <a:r>
-              <a:rPr lang="en-US" sz="2100">
-                <a:solidFill>
-                  <a:schemeClr val="dk1"/>
-                </a:solidFill>
-                <a:latin typeface="Times New Roman" panose="02020603050405020304"/>
-                <a:ea typeface="Times New Roman" panose="02020603050405020304"/>
-                <a:cs typeface="Times New Roman" panose="02020603050405020304"/>
-                <a:sym typeface="Times New Roman" panose="02020603050405020304"/>
-              </a:rPr>
-              <a:t>Ngoài ra, chúng ta có thể sử dụng URL làm điều kiện xem xét rằng liệu component nào sẽ được render. Trong ReactJS, React Router là thư viện được xây dựng để thực hiện điều này.</a:t>
-            </a:r>
-            <a:endParaRPr sz="2100">
-              <a:solidFill>
-                <a:schemeClr val="dk1"/>
-              </a:solidFill>
-              <a:latin typeface="Times New Roman" panose="02020603050405020304"/>
-              <a:ea typeface="Times New Roman" panose="02020603050405020304"/>
-              <a:cs typeface="Times New Roman" panose="02020603050405020304"/>
-              <a:sym typeface="Times New Roman" panose="02020603050405020304"/>
-            </a:endParaRPr>
-          </a:p>
-          <a:p>
-            <a:pPr marL="457200" lvl="0" indent="457200" algn="just" rtl="0">
-              <a:lnSpc>
-                <a:spcPct val="90000"/>
-              </a:lnSpc>
-              <a:spcBef>
-                <a:spcPts val="0"/>
-              </a:spcBef>
-              <a:spcAft>
-                <a:spcPts val="0"/>
-              </a:spcAft>
-              <a:buNone/>
-            </a:pPr>
-            <a:r>
-              <a:rPr lang="en-US" sz="2100">
-                <a:solidFill>
-                  <a:schemeClr val="dk1"/>
-                </a:solidFill>
-                <a:latin typeface="Times New Roman" panose="02020603050405020304"/>
-                <a:ea typeface="Times New Roman" panose="02020603050405020304"/>
-                <a:cs typeface="Times New Roman" panose="02020603050405020304"/>
-                <a:sym typeface="Times New Roman" panose="02020603050405020304"/>
-              </a:rPr>
               <a:t>React Router là một thư viện cho việc điều hướng URL tiêu chuẩn trong React. Nó cho phép chúng ta có thể đồng bộ UI với URL. Được thiết kế với API đơn giản, từ đó cho phép giải quyết các vấn đề về URL một cách nhanh chóng.											</a:t>
             </a:r>
             <a:endParaRPr sz="2100">
@@ -8582,7 +8412,7 @@
                 <a:cs typeface="Times New Roman" panose="02020603050405020304"/>
                 <a:sym typeface="Times New Roman" panose="02020603050405020304"/>
               </a:rPr>
-              <a:t>Có thể sử dụng cho cả Mobile application</a:t>
+              <a:t>Có thể sử dụng cho cả Mobile application.</a:t>
             </a:r>
             <a:endParaRPr sz="2100">
               <a:solidFill>
@@ -8662,7 +8492,7 @@
                 <a:cs typeface="Times New Roman" panose="02020603050405020304"/>
                 <a:sym typeface="Times New Roman" panose="02020603050405020304"/>
               </a:rPr>
-              <a:t>Công cụ phát triển web hot nhất hiện nay</a:t>
+              <a:t>Công cụ phát triển web hot nhất hiện nay.</a:t>
             </a:r>
             <a:endParaRPr sz="2100">
               <a:solidFill>
@@ -8894,255 +8724,6 @@
 </file>
 
 <file path=ppt/slides/slide15.xml><?xml version="1.0" encoding="utf-8"?>
-<p:sld xmlns:a="http://schemas.openxmlformats.org/drawingml/2006/main" xmlns:r="http://schemas.openxmlformats.org/officeDocument/2006/relationships" xmlns:p="http://schemas.openxmlformats.org/presentationml/2006/main">
-  <p:cSld>
-    <p:spTree>
-      <p:nvGrpSpPr>
-        <p:cNvPr id="143" name="Shape 143"/>
-        <p:cNvGrpSpPr/>
-        <p:nvPr/>
-      </p:nvGrpSpPr>
-      <p:grpSpPr>
-        <a:xfrm>
-          <a:off x="0" y="0"/>
-          <a:ext cx="0" cy="0"/>
-          <a:chOff x="0" y="0"/>
-          <a:chExt cx="0" cy="0"/>
-        </a:xfrm>
-      </p:grpSpPr>
-      <p:sp>
-        <p:nvSpPr>
-          <p:cNvPr id="144" name="Google Shape;144;p30"/>
-          <p:cNvSpPr txBox="1"/>
-          <p:nvPr>
-            <p:ph type="subTitle" idx="1"/>
-          </p:nvPr>
-        </p:nvSpPr>
-        <p:spPr>
-          <a:xfrm>
-            <a:off x="311700" y="428625"/>
-            <a:ext cx="8520600" cy="4387200"/>
-          </a:xfrm>
-          <a:prstGeom prst="rect">
-            <a:avLst/>
-          </a:prstGeom>
-        </p:spPr>
-        <p:txBody>
-          <a:bodyPr spcFirstLastPara="1" wrap="square" lIns="91425" tIns="91425" rIns="91425" bIns="91425" anchor="t" anchorCtr="0">
-            <a:normAutofit/>
-          </a:bodyPr>
-          <a:lstStyle/>
-          <a:p>
-            <a:pPr marL="457200" lvl="0" indent="-387350" algn="l" rtl="0">
-              <a:lnSpc>
-                <a:spcPct val="90000"/>
-              </a:lnSpc>
-              <a:spcBef>
-                <a:spcPts val="0"/>
-              </a:spcBef>
-              <a:spcAft>
-                <a:spcPts val="0"/>
-              </a:spcAft>
-              <a:buClr>
-                <a:srgbClr val="434343"/>
-              </a:buClr>
-              <a:buSzPts val="2500"/>
-              <a:buFont typeface="Times New Roman" panose="02020603050405020304"/>
-              <a:buAutoNum type="arabicPeriod" startAt="3"/>
-            </a:pPr>
-            <a:r>
-              <a:rPr lang="en-US" sz="2500" b="1">
-                <a:solidFill>
-                  <a:srgbClr val="434343"/>
-                </a:solidFill>
-                <a:latin typeface="Times New Roman" panose="02020603050405020304"/>
-                <a:ea typeface="Times New Roman" panose="02020603050405020304"/>
-                <a:cs typeface="Times New Roman" panose="02020603050405020304"/>
-                <a:sym typeface="Times New Roman" panose="02020603050405020304"/>
-              </a:rPr>
-              <a:t>Có nên sử dụng ReactJS</a:t>
-            </a:r>
-            <a:endParaRPr sz="2500" b="1">
-              <a:solidFill>
-                <a:srgbClr val="434343"/>
-              </a:solidFill>
-              <a:latin typeface="Times New Roman" panose="02020603050405020304"/>
-              <a:ea typeface="Times New Roman" panose="02020603050405020304"/>
-              <a:cs typeface="Times New Roman" panose="02020603050405020304"/>
-              <a:sym typeface="Times New Roman" panose="02020603050405020304"/>
-            </a:endParaRPr>
-          </a:p>
-          <a:p>
-            <a:pPr marL="457200" lvl="0" indent="-361950" algn="just" rtl="0">
-              <a:lnSpc>
-                <a:spcPct val="90000"/>
-              </a:lnSpc>
-              <a:spcBef>
-                <a:spcPts val="0"/>
-              </a:spcBef>
-              <a:spcAft>
-                <a:spcPts val="0"/>
-              </a:spcAft>
-              <a:buClr>
-                <a:schemeClr val="dk1"/>
-              </a:buClr>
-              <a:buSzPts val="2100"/>
-              <a:buFont typeface="Times New Roman" panose="02020603050405020304"/>
-              <a:buChar char="●"/>
-            </a:pPr>
-            <a:r>
-              <a:rPr lang="en-US" sz="2100">
-                <a:solidFill>
-                  <a:schemeClr val="dk1"/>
-                </a:solidFill>
-                <a:latin typeface="Times New Roman" panose="02020603050405020304"/>
-                <a:ea typeface="Times New Roman" panose="02020603050405020304"/>
-                <a:cs typeface="Times New Roman" panose="02020603050405020304"/>
-                <a:sym typeface="Times New Roman" panose="02020603050405020304"/>
-              </a:rPr>
-              <a:t>ReactJS là một thư viện JavaScript mạnh mẽ và tiện lợi. Nó giúp việc phát triển các ứng dụng website trở nên đơn giản và nhanh chóng hơn bao giờ hết. Khiến các ứng dụng web hoạt động một cách linh hoạt, trơn tru và ngày càng giống như một ứng dụng được cài trực tiếp trên máy.</a:t>
-            </a:r>
-            <a:endParaRPr sz="2100">
-              <a:solidFill>
-                <a:schemeClr val="dk1"/>
-              </a:solidFill>
-              <a:latin typeface="Times New Roman" panose="02020603050405020304"/>
-              <a:ea typeface="Times New Roman" panose="02020603050405020304"/>
-              <a:cs typeface="Times New Roman" panose="02020603050405020304"/>
-              <a:sym typeface="Times New Roman" panose="02020603050405020304"/>
-            </a:endParaRPr>
-          </a:p>
-          <a:p>
-            <a:pPr marL="457200" lvl="0" indent="-361950" algn="just" rtl="0">
-              <a:lnSpc>
-                <a:spcPct val="90000"/>
-              </a:lnSpc>
-              <a:spcBef>
-                <a:spcPts val="0"/>
-              </a:spcBef>
-              <a:spcAft>
-                <a:spcPts val="0"/>
-              </a:spcAft>
-              <a:buClr>
-                <a:schemeClr val="dk1"/>
-              </a:buClr>
-              <a:buSzPts val="2100"/>
-              <a:buFont typeface="Times New Roman" panose="02020603050405020304"/>
-              <a:buChar char="●"/>
-            </a:pPr>
-            <a:r>
-              <a:rPr lang="en-US" sz="2100">
-                <a:solidFill>
-                  <a:schemeClr val="dk1"/>
-                </a:solidFill>
-                <a:latin typeface="Times New Roman" panose="02020603050405020304"/>
-                <a:ea typeface="Times New Roman" panose="02020603050405020304"/>
-                <a:cs typeface="Times New Roman" panose="02020603050405020304"/>
-                <a:sym typeface="Times New Roman" panose="02020603050405020304"/>
-              </a:rPr>
-              <a:t>ReactJS được hỗ trợ và phát triển bởi ông lớn Meta nên người dùng có thể yên tâm về vấn đề bảo mật cũng như được cập nhật, hỗ trợ thường xuyên. Nhờ sự phổ biến và sở hữu cộng đồng lớn, nên người dùng dễ dàng tiếp cận, học hỏi cũng như giải đáp các thắc mắc, khó khăn một cách chính xác, nhanh chóng trong quá trình sử dụng.</a:t>
-            </a:r>
-            <a:endParaRPr sz="2100">
-              <a:solidFill>
-                <a:schemeClr val="dk1"/>
-              </a:solidFill>
-              <a:latin typeface="Times New Roman" panose="02020603050405020304"/>
-              <a:ea typeface="Times New Roman" panose="02020603050405020304"/>
-              <a:cs typeface="Times New Roman" panose="02020603050405020304"/>
-              <a:sym typeface="Times New Roman" panose="02020603050405020304"/>
-            </a:endParaRPr>
-          </a:p>
-          <a:p>
-            <a:pPr marL="457200" lvl="0" indent="-361950" algn="just" rtl="0">
-              <a:lnSpc>
-                <a:spcPct val="90000"/>
-              </a:lnSpc>
-              <a:spcBef>
-                <a:spcPts val="0"/>
-              </a:spcBef>
-              <a:spcAft>
-                <a:spcPts val="0"/>
-              </a:spcAft>
-              <a:buClr>
-                <a:schemeClr val="dk1"/>
-              </a:buClr>
-              <a:buSzPts val="2100"/>
-              <a:buFont typeface="Times New Roman" panose="02020603050405020304"/>
-              <a:buChar char="●"/>
-            </a:pPr>
-            <a:r>
-              <a:rPr lang="en-US" sz="2100">
-                <a:solidFill>
-                  <a:schemeClr val="dk1"/>
-                </a:solidFill>
-                <a:latin typeface="Times New Roman" panose="02020603050405020304"/>
-                <a:ea typeface="Times New Roman" panose="02020603050405020304"/>
-                <a:cs typeface="Times New Roman" panose="02020603050405020304"/>
-                <a:sym typeface="Times New Roman" panose="02020603050405020304"/>
-              </a:rPr>
-              <a:t>React chỉ là View, nên việc kết hợp với Redux, Flux, hay bất cứ mô hình luồng dữ liệu là cần thiết.</a:t>
-            </a:r>
-            <a:endParaRPr sz="2100">
-              <a:solidFill>
-                <a:schemeClr val="dk1"/>
-              </a:solidFill>
-              <a:latin typeface="Times New Roman" panose="02020603050405020304"/>
-              <a:ea typeface="Times New Roman" panose="02020603050405020304"/>
-              <a:cs typeface="Times New Roman" panose="02020603050405020304"/>
-              <a:sym typeface="Times New Roman" panose="02020603050405020304"/>
-            </a:endParaRPr>
-          </a:p>
-          <a:p>
-            <a:pPr marL="457200" lvl="0" indent="-361950" algn="just" rtl="0">
-              <a:lnSpc>
-                <a:spcPct val="90000"/>
-              </a:lnSpc>
-              <a:spcBef>
-                <a:spcPts val="0"/>
-              </a:spcBef>
-              <a:spcAft>
-                <a:spcPts val="0"/>
-              </a:spcAft>
-              <a:buClr>
-                <a:schemeClr val="dk1"/>
-              </a:buClr>
-              <a:buSzPts val="2100"/>
-              <a:buFont typeface="Times New Roman" panose="02020603050405020304"/>
-              <a:buChar char="●"/>
-            </a:pPr>
-            <a:r>
-              <a:rPr lang="en-US" sz="2100">
-                <a:solidFill>
-                  <a:schemeClr val="dk1"/>
-                </a:solidFill>
-                <a:latin typeface="Times New Roman" panose="02020603050405020304"/>
-                <a:ea typeface="Times New Roman" panose="02020603050405020304"/>
-                <a:cs typeface="Times New Roman" panose="02020603050405020304"/>
-                <a:sym typeface="Times New Roman" panose="02020603050405020304"/>
-              </a:rPr>
-              <a:t>Cuối cùng, ReactJS là một sự lựa chọn hàng đầu cho các lập trình viên front-end để tạo ra các sản phẩm tuyệt vời.</a:t>
-            </a:r>
-            <a:endParaRPr sz="2100">
-              <a:solidFill>
-                <a:schemeClr val="dk1"/>
-              </a:solidFill>
-              <a:latin typeface="Times New Roman" panose="02020603050405020304"/>
-              <a:ea typeface="Times New Roman" panose="02020603050405020304"/>
-              <a:cs typeface="Times New Roman" panose="02020603050405020304"/>
-              <a:sym typeface="Times New Roman" panose="02020603050405020304"/>
-            </a:endParaRPr>
-          </a:p>
-        </p:txBody>
-      </p:sp>
-    </p:spTree>
-  </p:cSld>
-  <p:clrMapOvr>
-    <a:masterClrMapping/>
-  </p:clrMapOvr>
-</p:sld>
-</file>
-
-<file path=ppt/slides/slide16.xml><?xml version="1.0" encoding="utf-8"?>
 <p:sld xmlns:a="http://schemas.openxmlformats.org/drawingml/2006/main" xmlns:r="http://schemas.openxmlformats.org/officeDocument/2006/relationships" xmlns:p="http://schemas.openxmlformats.org/presentationml/2006/main">
   <p:cSld>
     <p:spTree>
@@ -9724,7 +9305,7 @@
 </p:sld>
 </file>
 
-<file path=ppt/slides/slide17.xml><?xml version="1.0" encoding="utf-8"?>
+<file path=ppt/slides/slide16.xml><?xml version="1.0" encoding="utf-8"?>
 <p:sld xmlns:a="http://schemas.openxmlformats.org/drawingml/2006/main" xmlns:r="http://schemas.openxmlformats.org/officeDocument/2006/relationships" xmlns:p="http://schemas.openxmlformats.org/presentationml/2006/main">
   <p:cSld>
     <p:spTree>
@@ -10214,7 +9795,7 @@
 </p:sld>
 </file>
 
-<file path=ppt/slides/slide18.xml><?xml version="1.0" encoding="utf-8"?>
+<file path=ppt/slides/slide17.xml><?xml version="1.0" encoding="utf-8"?>
 <p:sld xmlns:a="http://schemas.openxmlformats.org/drawingml/2006/main" xmlns:r="http://schemas.openxmlformats.org/officeDocument/2006/relationships" xmlns:p="http://schemas.openxmlformats.org/presentationml/2006/main">
   <p:cSld>
     <p:spTree>

--- a/documents/slide_báo_cáo.pptx
+++ b/documents/slide_báo_cáo.pptx
@@ -8621,7 +8621,7 @@
                 <a:cs typeface="Times New Roman" panose="02020603050405020304"/>
                 <a:sym typeface="Times New Roman" panose="02020603050405020304"/>
               </a:rPr>
-              <a:t>ReactJS chỉ phục vụ cho tầng View. React chỉ là View Library nó không phải là một MVC framework như những framework khác. Đây chỉ là thư viện của Facebook giúp render ra phần view. Vì thế React sẽ không có phần Model và Controller, mà phải kết hợp với các thư viện khác. React cũng sẽ không có 2-way binding hay là Ajax.</a:t>
+              <a:t>ReactJS chỉ phục vụ cho tầng View. React chỉ là View Library nó không phải là một MVC framework như những framework khác. Vì thế React sẽ không có phần Model và Controller, mà phải kết hợp với các thư viện khác. React cũng sẽ không có 2-way binding hay là Ajax.</a:t>
             </a:r>
             <a:endParaRPr sz="2100">
               <a:solidFill>
@@ -10871,7 +10871,7 @@
                 <a:cs typeface="Times New Roman" panose="02020603050405020304"/>
                 <a:sym typeface="Times New Roman" panose="02020603050405020304"/>
               </a:rPr>
-              <a:t>JSX là viết tắt là Javascript XML, một template languages nhưng nó lại mạng hầu hết tính năng của Javascript. Nó cho phép bạn viết các đoạn mã HTML trong React một cách dễ dàng và có cấu trúc hơn. React sử dụng JSX cho việc xây dựng bố cục thay vì javascript thông thường. JSX giúp tạo ra các React 'elements'. Việc sử dụng nó trong ReactJS rất hữu ích bởi:</a:t>
+              <a:t>JSX là viết tắt là Javascript XML, một template languages nhưng nó lại mạng hầu hết tính năng của Javascript. Nó cho phép bạn viết các đoạn mã HTML trong React một cách dễ dàng và có cấu trúc hơn. JSX giúp tạo ra các React 'elements'. Việc sử dụng nó trong ReactJS rất hữu ích bởi:</a:t>
             </a:r>
             <a:endParaRPr sz="2100">
               <a:solidFill>
@@ -11000,7 +11000,7 @@
                 <a:cs typeface="Times New Roman" panose="02020603050405020304"/>
                 <a:sym typeface="Times New Roman" panose="02020603050405020304"/>
               </a:rPr>
-              <a:t>JSX rất dễ xem các lỗi trong quá trình triển khai bởi hầu hết các lỗi sẽ được hiển thị trong quá trình compile, không như các đoạn mã HTML có thể thừa thiếu các thẻ div khiến giao diện bị hiển thị sai. JSX lại hoàn toàn ngược lại, khi bạn quên đóng div chẳng hạn thì nó lập tực sẽ hiển thị lỗi.</a:t>
+              <a:t>JSX rất dễ xem các lỗi trong quá trình triển khai bởi hầu hết các lỗi sẽ được hiển thị trong quá trình compile.</a:t>
             </a:r>
             <a:endParaRPr sz="2100">
               <a:solidFill>
@@ -11075,42 +11075,7 @@
                 <a:cs typeface="Times New Roman" panose="02020603050405020304"/>
                 <a:sym typeface="Times New Roman" panose="02020603050405020304"/>
               </a:rPr>
-              <a:t>Trong ReactJS không bắt buộc bạn phải sử dụng JSX nhưng hầu hết mọi người đều sử dụng nó bởi đây là cách hữu ích nhất để làm việc với các UI bên trong Javascript code. JSX cũng cho phép React hiển thị đầy đủ các lỗi nhất và hiệu quả hơn.</a:t>
-            </a:r>
-            <a:endParaRPr sz="2100">
-              <a:solidFill>
-                <a:schemeClr val="dk1"/>
-              </a:solidFill>
-              <a:latin typeface="Times New Roman" panose="02020603050405020304"/>
-              <a:ea typeface="Times New Roman" panose="02020603050405020304"/>
-              <a:cs typeface="Times New Roman" panose="02020603050405020304"/>
-              <a:sym typeface="Times New Roman" panose="02020603050405020304"/>
-            </a:endParaRPr>
-          </a:p>
-          <a:p>
-            <a:pPr marL="0" lvl="0" indent="0" algn="l" rtl="0">
-              <a:lnSpc>
-                <a:spcPct val="90000"/>
-              </a:lnSpc>
-              <a:spcBef>
-                <a:spcPts val="0"/>
-              </a:spcBef>
-              <a:spcAft>
-                <a:spcPts val="0"/>
-              </a:spcAft>
-              <a:buNone/>
-            </a:pPr>
-            <a:r>
-              <a:rPr lang="en-US" sz="2100">
-                <a:solidFill>
-                  <a:schemeClr val="dk1"/>
-                </a:solidFill>
-                <a:latin typeface="Times New Roman" panose="02020603050405020304"/>
-                <a:ea typeface="Times New Roman" panose="02020603050405020304"/>
-                <a:cs typeface="Times New Roman" panose="02020603050405020304"/>
-                <a:sym typeface="Times New Roman" panose="02020603050405020304"/>
-              </a:rPr>
-              <a:t>	</a:t>
+              <a:t>Trong ReactJS không bắt buộc bạn phải sử dụng JSX nhưng hầu hết mọi người đều sử dụng nó bởi đây là cách hữu ích nhất để làm việc với các UI bên trong Javascript code.	</a:t>
             </a:r>
             <a:endParaRPr sz="2100">
               <a:solidFill>
@@ -11234,9 +11199,9 @@
                 <a:cs typeface="Times New Roman" panose="02020603050405020304"/>
                 <a:sym typeface="Times New Roman" panose="02020603050405020304"/>
               </a:rPr>
-              <a:t>Components giúp phân chia các UI (giao diện người dùng) thành các phần nhỏ để dễ dàng quản lý và tái sử dụng. Giả sử mình có một website gồm nhiều phần bố cục khác nhau và mình muốn chia nhỏ các phần ra để dễ quản lý.</a:t>
+              <a:t>Components giúp phân chia các UI (giao diện người dùng) thành các phần nhỏ để dễ dàng quản lý và tái sử dụng.</a:t>
             </a:r>
-            <a:endParaRPr sz="2100">
+            <a:endParaRPr lang="en-US" sz="2100">
               <a:solidFill>
                 <a:schemeClr val="dk1"/>
               </a:solidFill>
@@ -11451,7 +11416,77 @@
                 <a:cs typeface="Times New Roman" panose="02020603050405020304"/>
                 <a:sym typeface="Times New Roman" panose="02020603050405020304"/>
               </a:rPr>
-              <a:t>Props là một object được truyền vào trong một components, mỗi components sẽ nhận vào props và trả về react element. Props cho phép chúng ta giao tiếp giữa các components với nhau bằng cách truyền tham số qua lại giữa các components. Khi một components cha truyền cho component con một props thì components con chỉ có thể đọc và không có quyền chỉnh sửa nó bên phía components cha. Cách truyền một props cũng giống như cách mà bạn thêm một attributes cho một element HTML.</a:t>
+              <a:t>Props là một object được truyền vào trong một components, mỗi components sẽ nhận vào props và trả về react element. Props cho phép chúng ta giao tiếp giữa các components với nhau bằng cách truyền tham số qua lại giữa các components.</a:t>
+            </a:r>
+            <a:endParaRPr lang="en-US" sz="2100">
+              <a:solidFill>
+                <a:schemeClr val="dk1"/>
+              </a:solidFill>
+              <a:latin typeface="Times New Roman" panose="02020603050405020304"/>
+              <a:ea typeface="Times New Roman" panose="02020603050405020304"/>
+              <a:cs typeface="Times New Roman" panose="02020603050405020304"/>
+              <a:sym typeface="Times New Roman" panose="02020603050405020304"/>
+            </a:endParaRPr>
+          </a:p>
+          <a:p>
+            <a:pPr marL="457200" lvl="0" indent="457200" algn="l" rtl="0">
+              <a:lnSpc>
+                <a:spcPct val="90000"/>
+              </a:lnSpc>
+              <a:spcBef>
+                <a:spcPts val="0"/>
+              </a:spcBef>
+              <a:spcAft>
+                <a:spcPts val="0"/>
+              </a:spcAft>
+              <a:buNone/>
+            </a:pPr>
+            <a:r>
+              <a:rPr lang="en-US" sz="2100">
+                <a:solidFill>
+                  <a:schemeClr val="dk1"/>
+                </a:solidFill>
+                <a:latin typeface="Times New Roman" panose="02020603050405020304"/>
+                <a:ea typeface="Times New Roman" panose="02020603050405020304"/>
+                <a:cs typeface="Times New Roman" panose="02020603050405020304"/>
+                <a:sym typeface="Times New Roman" panose="02020603050405020304"/>
+              </a:rPr>
+              <a:t>Khi một components cha truyền cho component con một props thì components con chỉ có thể đọc và không có quyền chỉnh sửa nó bên phía components cha.</a:t>
+            </a:r>
+            <a:endParaRPr lang="en-US" sz="2100">
+              <a:solidFill>
+                <a:schemeClr val="dk1"/>
+              </a:solidFill>
+              <a:latin typeface="Times New Roman" panose="02020603050405020304"/>
+              <a:ea typeface="Times New Roman" panose="02020603050405020304"/>
+              <a:cs typeface="Times New Roman" panose="02020603050405020304"/>
+              <a:sym typeface="Times New Roman" panose="02020603050405020304"/>
+            </a:endParaRPr>
+          </a:p>
+          <a:p>
+            <a:pPr marL="457200" lvl="0" indent="457200" algn="l" rtl="0">
+              <a:lnSpc>
+                <a:spcPct val="90000"/>
+              </a:lnSpc>
+              <a:spcBef>
+                <a:spcPts val="0"/>
+              </a:spcBef>
+              <a:spcAft>
+                <a:spcPts val="0"/>
+              </a:spcAft>
+              <a:buNone/>
+            </a:pPr>
+            <a:r>
+              <a:rPr lang="en-US" sz="2100">
+                <a:solidFill>
+                  <a:schemeClr val="dk1"/>
+                </a:solidFill>
+                <a:latin typeface="Times New Roman" panose="02020603050405020304"/>
+                <a:ea typeface="Times New Roman" panose="02020603050405020304"/>
+                <a:cs typeface="Times New Roman" panose="02020603050405020304"/>
+                <a:sym typeface="Times New Roman" panose="02020603050405020304"/>
+              </a:rPr>
+              <a:t>Cách truyền một props cũng giống như cách mà bạn thêm một attributes cho một element HTML.</a:t>
             </a:r>
             <a:endParaRPr sz="2500">
               <a:solidFill>

--- a/documents/slide_báo_cáo.pptx
+++ b/documents/slide_báo_cáo.pptx
@@ -8811,7 +8811,7 @@
         </p:nvSpPr>
         <p:spPr>
           <a:xfrm>
-            <a:off x="311700" y="1474975"/>
+            <a:off x="318685" y="1474975"/>
             <a:ext cx="8520600" cy="3466200"/>
           </a:xfrm>
           <a:prstGeom prst="rect">
@@ -9187,101 +9187,6 @@
                           </a:solidFill>
                         </a:rPr>
                         <a:t>DOM ảo</a:t>
-                      </a:r>
-                      <a:endParaRPr>
-                        <a:solidFill>
-                          <a:schemeClr val="dk1"/>
-                        </a:solidFill>
-                      </a:endParaRPr>
-                    </a:p>
-                  </a:txBody>
-                  <a:tcPr marL="91425" marR="91425" marT="91425" marB="91425"/>
-                </a:tc>
-              </a:tr>
-              <a:tr h="483200">
-                <a:tc>
-                  <a:txBody>
-                    <a:bodyPr/>
-                    <a:lstStyle/>
-                    <a:p>
-                      <a:pPr marL="0" lvl="0" indent="0" algn="ctr" rtl="0">
-                        <a:spcBef>
-                          <a:spcPts val="0"/>
-                        </a:spcBef>
-                        <a:spcAft>
-                          <a:spcPts val="0"/>
-                        </a:spcAft>
-                        <a:buNone/>
-                      </a:pPr>
-                      <a:r>
-                        <a:rPr lang="en-US" b="1">
-                          <a:solidFill>
-                            <a:schemeClr val="dk1"/>
-                          </a:solidFill>
-                        </a:rPr>
-                        <a:t>Hỗ trợ ngôn ngữ, công nghệ</a:t>
-                      </a:r>
-                      <a:endParaRPr b="1">
-                        <a:solidFill>
-                          <a:schemeClr val="dk1"/>
-                        </a:solidFill>
-                      </a:endParaRPr>
-                    </a:p>
-                  </a:txBody>
-                  <a:tcPr marL="91425" marR="91425" marT="91425" marB="91425"/>
-                </a:tc>
-                <a:tc>
-                  <a:txBody>
-                    <a:bodyPr/>
-                    <a:lstStyle/>
-                    <a:p>
-                      <a:pPr marL="0" lvl="0" indent="0" algn="l" rtl="0">
-                        <a:spcBef>
-                          <a:spcPts val="0"/>
-                        </a:spcBef>
-                        <a:spcAft>
-                          <a:spcPts val="0"/>
-                        </a:spcAft>
-                        <a:buNone/>
-                      </a:pPr>
-                      <a:r>
-                        <a:rPr lang="en-US">
-                          <a:solidFill>
-                            <a:schemeClr val="dk1"/>
-                          </a:solidFill>
-                        </a:rPr>
-                        <a:t>TypeScript, CoffeeScript, Javascript,..</a:t>
-                      </a:r>
-                      <a:endParaRPr>
-                        <a:solidFill>
-                          <a:schemeClr val="dk1"/>
-                        </a:solidFill>
-                      </a:endParaRPr>
-                    </a:p>
-                  </a:txBody>
-                  <a:tcPr marL="91425" marR="91425" marT="91425" marB="91425"/>
-                </a:tc>
-                <a:tc>
-                  <a:txBody>
-                    <a:bodyPr/>
-                    <a:lstStyle/>
-                    <a:p>
-                      <a:pPr marL="0" lvl="0" indent="0" algn="just" rtl="0">
-                        <a:spcBef>
-                          <a:spcPts val="0"/>
-                        </a:spcBef>
-                        <a:spcAft>
-                          <a:spcPts val="0"/>
-                        </a:spcAft>
-                        <a:buNone/>
-                      </a:pPr>
-                      <a:r>
-                        <a:rPr lang="en-US">
-                          <a:solidFill>
-                            <a:schemeClr val="dk1"/>
-                          </a:solidFill>
-                        </a:rPr>
-                        <a:t>JSX, JavaScript, TypeScript,..</a:t>
                       </a:r>
                       <a:endParaRPr>
                         <a:solidFill>
@@ -10095,7 +10000,7 @@
             </a:endParaRPr>
           </a:p>
           <a:p>
-            <a:pPr marL="457200" lvl="0" indent="457200" algn="l" rtl="0">
+            <a:pPr marL="457200" lvl="0" indent="457200" algn="just" rtl="0">
               <a:lnSpc>
                 <a:spcPct val="90000"/>
               </a:lnSpc>
